--- a/ApresentacaoEvento.pptx
+++ b/ApresentacaoEvento.pptx
@@ -7,6 +7,10 @@
   <p:sldIdLst>
     <p:sldId id="256" r:id="rId2"/>
     <p:sldId id="257" r:id="rId3"/>
+    <p:sldId id="258" r:id="rId4"/>
+    <p:sldId id="259" r:id="rId5"/>
+    <p:sldId id="260" r:id="rId6"/>
+    <p:sldId id="261" r:id="rId7"/>
   </p:sldIdLst>
   <p:sldSz cx="12192000" cy="6858000"/>
   <p:notesSz cx="6858000" cy="9144000"/>
@@ -426,7 +430,7 @@
           <a:p>
             <a:fld id="{B2B9D0DB-44B1-4125-B913-16337F690BF1}" type="datetimeFigureOut">
               <a:rPr lang="pt-BR" smtClean="0"/>
-              <a:t>20/08/2023</a:t>
+              <a:t>29/09/2023</a:t>
             </a:fld>
             <a:endParaRPr lang="pt-BR"/>
           </a:p>
@@ -634,7 +638,7 @@
           <a:p>
             <a:fld id="{B2B9D0DB-44B1-4125-B913-16337F690BF1}" type="datetimeFigureOut">
               <a:rPr lang="pt-BR" smtClean="0"/>
-              <a:t>20/08/2023</a:t>
+              <a:t>29/09/2023</a:t>
             </a:fld>
             <a:endParaRPr lang="pt-BR"/>
           </a:p>
@@ -1015,7 +1019,7 @@
             <a:spLocks noGrp="1"/>
           </p:cNvSpPr>
           <p:nvPr>
-            <p:ph type="title"/>
+            <p:ph type="title" hasCustomPrompt="1"/>
           </p:nvPr>
         </p:nvSpPr>
         <p:spPr>
@@ -1030,15 +1034,15 @@
           </a:bodyPr>
           <a:lstStyle>
             <a:lvl1pPr algn="ctr">
-              <a:defRPr sz="2000">
+              <a:defRPr sz="2000" b="1">
                 <a:latin typeface="Montserrat" panose="00000500000000000000" pitchFamily="50" charset="0"/>
               </a:defRPr>
             </a:lvl1pPr>
           </a:lstStyle>
           <a:p>
             <a:r>
-              <a:rPr lang="pt-BR"/>
-              <a:t>Clique para editar o título Mestre</a:t>
+              <a:rPr lang="pt-BR" dirty="0"/>
+              <a:t>Minha Trajetória</a:t>
             </a:r>
           </a:p>
         </p:txBody>
@@ -1300,7 +1304,7 @@
           <a:p>
             <a:fld id="{B2B9D0DB-44B1-4125-B913-16337F690BF1}" type="datetimeFigureOut">
               <a:rPr lang="pt-BR" smtClean="0"/>
-              <a:t>20/08/2023</a:t>
+              <a:t>29/09/2023</a:t>
             </a:fld>
             <a:endParaRPr lang="pt-BR"/>
           </a:p>
@@ -1565,7 +1569,7 @@
           <a:p>
             <a:fld id="{B2B9D0DB-44B1-4125-B913-16337F690BF1}" type="datetimeFigureOut">
               <a:rPr lang="pt-BR" smtClean="0"/>
-              <a:t>20/08/2023</a:t>
+              <a:t>29/09/2023</a:t>
             </a:fld>
             <a:endParaRPr lang="pt-BR"/>
           </a:p>
@@ -1977,7 +1981,7 @@
           <a:p>
             <a:fld id="{B2B9D0DB-44B1-4125-B913-16337F690BF1}" type="datetimeFigureOut">
               <a:rPr lang="pt-BR" smtClean="0"/>
-              <a:t>20/08/2023</a:t>
+              <a:t>29/09/2023</a:t>
             </a:fld>
             <a:endParaRPr lang="pt-BR"/>
           </a:p>
@@ -2118,7 +2122,7 @@
           <a:p>
             <a:fld id="{B2B9D0DB-44B1-4125-B913-16337F690BF1}" type="datetimeFigureOut">
               <a:rPr lang="pt-BR" smtClean="0"/>
-              <a:t>20/08/2023</a:t>
+              <a:t>29/09/2023</a:t>
             </a:fld>
             <a:endParaRPr lang="pt-BR"/>
           </a:p>
@@ -2231,7 +2235,7 @@
           <a:p>
             <a:fld id="{B2B9D0DB-44B1-4125-B913-16337F690BF1}" type="datetimeFigureOut">
               <a:rPr lang="pt-BR" smtClean="0"/>
-              <a:t>20/08/2023</a:t>
+              <a:t>29/09/2023</a:t>
             </a:fld>
             <a:endParaRPr lang="pt-BR"/>
           </a:p>
@@ -2542,7 +2546,7 @@
           <a:p>
             <a:fld id="{B2B9D0DB-44B1-4125-B913-16337F690BF1}" type="datetimeFigureOut">
               <a:rPr lang="pt-BR" smtClean="0"/>
-              <a:t>20/08/2023</a:t>
+              <a:t>29/09/2023</a:t>
             </a:fld>
             <a:endParaRPr lang="pt-BR"/>
           </a:p>
@@ -2830,7 +2834,7 @@
           <a:p>
             <a:fld id="{B2B9D0DB-44B1-4125-B913-16337F690BF1}" type="datetimeFigureOut">
               <a:rPr lang="pt-BR" smtClean="0"/>
-              <a:t>20/08/2023</a:t>
+              <a:t>29/09/2023</a:t>
             </a:fld>
             <a:endParaRPr lang="pt-BR"/>
           </a:p>
@@ -2957,7 +2961,7 @@
           <a:lstStyle/>
           <a:p>
             <a:r>
-              <a:rPr lang="pt-BR"/>
+              <a:rPr lang="pt-BR" dirty="0"/>
               <a:t>Clique para editar o título Mestre</a:t>
             </a:r>
           </a:p>
@@ -2996,35 +3000,35 @@
           <a:p>
             <a:pPr lvl="0"/>
             <a:r>
-              <a:rPr lang="pt-BR"/>
+              <a:rPr lang="pt-BR" dirty="0"/>
               <a:t>Clique para editar os estilos de texto Mestres</a:t>
             </a:r>
           </a:p>
           <a:p>
             <a:pPr lvl="1"/>
             <a:r>
-              <a:rPr lang="pt-BR"/>
+              <a:rPr lang="pt-BR" dirty="0"/>
               <a:t>Segundo nível</a:t>
             </a:r>
           </a:p>
           <a:p>
             <a:pPr lvl="2"/>
             <a:r>
-              <a:rPr lang="pt-BR"/>
+              <a:rPr lang="pt-BR" dirty="0"/>
               <a:t>Terceiro nível</a:t>
             </a:r>
           </a:p>
           <a:p>
             <a:pPr lvl="3"/>
             <a:r>
-              <a:rPr lang="pt-BR"/>
+              <a:rPr lang="pt-BR" dirty="0"/>
               <a:t>Quarto nível</a:t>
             </a:r>
           </a:p>
           <a:p>
             <a:pPr lvl="4"/>
             <a:r>
-              <a:rPr lang="pt-BR"/>
+              <a:rPr lang="pt-BR" dirty="0"/>
               <a:t>Quinto nível</a:t>
             </a:r>
           </a:p>
@@ -3071,7 +3075,7 @@
           <a:p>
             <a:fld id="{B2B9D0DB-44B1-4125-B913-16337F690BF1}" type="datetimeFigureOut">
               <a:rPr lang="pt-BR" smtClean="0"/>
-              <a:t>20/08/2023</a:t>
+              <a:t>29/09/2023</a:t>
             </a:fld>
             <a:endParaRPr lang="pt-BR"/>
           </a:p>
@@ -3520,26 +3524,192 @@
       </p:grpSpPr>
       <p:sp>
         <p:nvSpPr>
-          <p:cNvPr id="2" name="Título 1">
-            <a:extLst>
-              <a:ext uri="{FF2B5EF4-FFF2-40B4-BE49-F238E27FC236}">
-                <a16:creationId xmlns:a16="http://schemas.microsoft.com/office/drawing/2014/main" id="{6E64A373-7738-2B0A-EED7-24EDAD92E3B7}"/>
-              </a:ext>
-            </a:extLst>
-          </p:cNvPr>
-          <p:cNvSpPr>
-            <a:spLocks noGrp="1"/>
-          </p:cNvSpPr>
-          <p:nvPr>
-            <p:ph type="title"/>
-          </p:nvPr>
-        </p:nvSpPr>
-        <p:spPr/>
-        <p:txBody>
-          <a:bodyPr/>
-          <a:lstStyle/>
-          <a:p>
-            <a:endParaRPr lang="pt-BR"/>
+          <p:cNvPr id="3" name="CaixaDeTexto 2">
+            <a:extLst>
+              <a:ext uri="{FF2B5EF4-FFF2-40B4-BE49-F238E27FC236}">
+                <a16:creationId xmlns:a16="http://schemas.microsoft.com/office/drawing/2014/main" id="{6476BA22-5EE5-9411-8A56-EBA9E824F134}"/>
+              </a:ext>
+            </a:extLst>
+          </p:cNvPr>
+          <p:cNvSpPr txBox="1"/>
+          <p:nvPr/>
+        </p:nvSpPr>
+        <p:spPr>
+          <a:xfrm>
+            <a:off x="2311400" y="1778000"/>
+            <a:ext cx="184731" cy="369332"/>
+          </a:xfrm>
+          <a:prstGeom prst="rect">
+            <a:avLst/>
+          </a:prstGeom>
+          <a:noFill/>
+        </p:spPr>
+        <p:txBody>
+          <a:bodyPr wrap="none" rtlCol="0">
+            <a:spAutoFit/>
+          </a:bodyPr>
+          <a:lstStyle/>
+          <a:p>
+            <a:endParaRPr lang="pt-BR" dirty="0">
+              <a:latin typeface="Montserrat" panose="00000500000000000000" pitchFamily="2" charset="0"/>
+            </a:endParaRPr>
+          </a:p>
+        </p:txBody>
+      </p:sp>
+      <p:sp>
+        <p:nvSpPr>
+          <p:cNvPr id="5" name="CaixaDeTexto 4">
+            <a:extLst>
+              <a:ext uri="{FF2B5EF4-FFF2-40B4-BE49-F238E27FC236}">
+                <a16:creationId xmlns:a16="http://schemas.microsoft.com/office/drawing/2014/main" id="{1445A988-E6DB-BB45-3C57-D450DDF9B3EF}"/>
+              </a:ext>
+            </a:extLst>
+          </p:cNvPr>
+          <p:cNvSpPr txBox="1"/>
+          <p:nvPr/>
+        </p:nvSpPr>
+        <p:spPr>
+          <a:xfrm>
+            <a:off x="999504" y="382336"/>
+            <a:ext cx="11079186" cy="400110"/>
+          </a:xfrm>
+          <a:prstGeom prst="rect">
+            <a:avLst/>
+          </a:prstGeom>
+          <a:noFill/>
+        </p:spPr>
+        <p:txBody>
+          <a:bodyPr wrap="square" rtlCol="0">
+            <a:spAutoFit/>
+          </a:bodyPr>
+          <a:lstStyle/>
+          <a:p>
+            <a:pPr algn="ctr"/>
+            <a:r>
+              <a:rPr lang="pt-BR" sz="2000" b="1" dirty="0">
+                <a:latin typeface="Montserrat" panose="00000500000000000000" pitchFamily="2" charset="0"/>
+              </a:rPr>
+              <a:t>Quem sou?</a:t>
+            </a:r>
+          </a:p>
+        </p:txBody>
+      </p:sp>
+      <p:sp>
+        <p:nvSpPr>
+          <p:cNvPr id="6" name="CaixaDeTexto 5">
+            <a:extLst>
+              <a:ext uri="{FF2B5EF4-FFF2-40B4-BE49-F238E27FC236}">
+                <a16:creationId xmlns:a16="http://schemas.microsoft.com/office/drawing/2014/main" id="{A3140BFA-24F0-C00E-2F4A-EDE46C414C75}"/>
+              </a:ext>
+            </a:extLst>
+          </p:cNvPr>
+          <p:cNvSpPr txBox="1"/>
+          <p:nvPr/>
+        </p:nvSpPr>
+        <p:spPr>
+          <a:xfrm>
+            <a:off x="999504" y="1778000"/>
+            <a:ext cx="11079186" cy="3334887"/>
+          </a:xfrm>
+          <a:prstGeom prst="rect">
+            <a:avLst/>
+          </a:prstGeom>
+          <a:noFill/>
+        </p:spPr>
+        <p:txBody>
+          <a:bodyPr wrap="square" rtlCol="0">
+            <a:spAutoFit/>
+          </a:bodyPr>
+          <a:lstStyle/>
+          <a:p>
+            <a:pPr marL="285750" indent="-285750">
+              <a:lnSpc>
+                <a:spcPct val="200000"/>
+              </a:lnSpc>
+              <a:buFont typeface="Arial" panose="020B0604020202020204" pitchFamily="34" charset="0"/>
+              <a:buChar char="•"/>
+            </a:pPr>
+            <a:r>
+              <a:rPr lang="pt-BR" dirty="0">
+                <a:latin typeface="Montserrat" panose="00000500000000000000" pitchFamily="2" charset="0"/>
+              </a:rPr>
+              <a:t>Graduado em Engenharia de Produção</a:t>
+            </a:r>
+          </a:p>
+          <a:p>
+            <a:pPr marL="285750" indent="-285750">
+              <a:lnSpc>
+                <a:spcPct val="200000"/>
+              </a:lnSpc>
+              <a:buFont typeface="Arial" panose="020B0604020202020204" pitchFamily="34" charset="0"/>
+              <a:buChar char="•"/>
+            </a:pPr>
+            <a:r>
+              <a:rPr lang="pt-BR" dirty="0">
+                <a:latin typeface="Montserrat" panose="00000500000000000000" pitchFamily="2" charset="0"/>
+              </a:rPr>
+              <a:t>Atuando no segmento de Papel e Celulose durante 14 anos</a:t>
+            </a:r>
+          </a:p>
+          <a:p>
+            <a:pPr marL="742950" lvl="1" indent="-285750">
+              <a:lnSpc>
+                <a:spcPct val="200000"/>
+              </a:lnSpc>
+              <a:buFont typeface="Arial" panose="020B0604020202020204" pitchFamily="34" charset="0"/>
+              <a:buChar char="•"/>
+            </a:pPr>
+            <a:r>
+              <a:rPr lang="pt-BR" dirty="0">
+                <a:latin typeface="Montserrat" panose="00000500000000000000" pitchFamily="2" charset="0"/>
+              </a:rPr>
+              <a:t>Departamento Fiscal Tributário (13 anos)</a:t>
+            </a:r>
+          </a:p>
+          <a:p>
+            <a:pPr marL="742950" lvl="1" indent="-285750">
+              <a:lnSpc>
+                <a:spcPct val="200000"/>
+              </a:lnSpc>
+              <a:buFont typeface="Arial" panose="020B0604020202020204" pitchFamily="34" charset="0"/>
+              <a:buChar char="•"/>
+            </a:pPr>
+            <a:r>
+              <a:rPr lang="pt-BR" dirty="0">
+                <a:latin typeface="Montserrat" panose="00000500000000000000" pitchFamily="2" charset="0"/>
+              </a:rPr>
+              <a:t>Processo Industrial de Conversão (01 ano)</a:t>
+            </a:r>
+          </a:p>
+          <a:p>
+            <a:pPr marL="285750" indent="-285750">
+              <a:lnSpc>
+                <a:spcPct val="200000"/>
+              </a:lnSpc>
+              <a:buFont typeface="Arial" panose="020B0604020202020204" pitchFamily="34" charset="0"/>
+              <a:buChar char="•"/>
+            </a:pPr>
+            <a:r>
+              <a:rPr lang="pt-BR" dirty="0">
+                <a:latin typeface="Montserrat" panose="00000500000000000000" pitchFamily="2" charset="0"/>
+              </a:rPr>
+              <a:t>Iniciando com VBA em 2009</a:t>
+            </a:r>
+          </a:p>
+          <a:p>
+            <a:pPr marL="285750" indent="-285750">
+              <a:lnSpc>
+                <a:spcPct val="200000"/>
+              </a:lnSpc>
+              <a:buFont typeface="Arial" panose="020B0604020202020204" pitchFamily="34" charset="0"/>
+              <a:buChar char="•"/>
+            </a:pPr>
+            <a:r>
+              <a:rPr lang="pt-BR" dirty="0">
+                <a:latin typeface="Montserrat" panose="00000500000000000000" pitchFamily="2" charset="0"/>
+              </a:rPr>
+              <a:t>Atualmente atuando como Autônomo</a:t>
+            </a:r>
           </a:p>
         </p:txBody>
       </p:sp>
@@ -3547,6 +3717,861 @@
     <p:extLst>
       <p:ext uri="{BB962C8B-B14F-4D97-AF65-F5344CB8AC3E}">
         <p14:creationId xmlns:p14="http://schemas.microsoft.com/office/powerpoint/2010/main" val="189438918"/>
+      </p:ext>
+    </p:extLst>
+  </p:cSld>
+  <p:clrMapOvr>
+    <a:masterClrMapping/>
+  </p:clrMapOvr>
+</p:sld>
+</file>
+
+<file path=ppt/slides/slide3.xml><?xml version="1.0" encoding="utf-8"?>
+<p:sld xmlns:a="http://schemas.openxmlformats.org/drawingml/2006/main" xmlns:r="http://schemas.openxmlformats.org/officeDocument/2006/relationships" xmlns:p="http://schemas.openxmlformats.org/presentationml/2006/main">
+  <p:cSld>
+    <p:spTree>
+      <p:nvGrpSpPr>
+        <p:cNvPr id="1" name=""/>
+        <p:cNvGrpSpPr/>
+        <p:nvPr/>
+      </p:nvGrpSpPr>
+      <p:grpSpPr>
+        <a:xfrm>
+          <a:off x="0" y="0"/>
+          <a:ext cx="0" cy="0"/>
+          <a:chOff x="0" y="0"/>
+          <a:chExt cx="0" cy="0"/>
+        </a:xfrm>
+      </p:grpSpPr>
+      <p:sp>
+        <p:nvSpPr>
+          <p:cNvPr id="3" name="CaixaDeTexto 2">
+            <a:extLst>
+              <a:ext uri="{FF2B5EF4-FFF2-40B4-BE49-F238E27FC236}">
+                <a16:creationId xmlns:a16="http://schemas.microsoft.com/office/drawing/2014/main" id="{6476BA22-5EE5-9411-8A56-EBA9E824F134}"/>
+              </a:ext>
+            </a:extLst>
+          </p:cNvPr>
+          <p:cNvSpPr txBox="1"/>
+          <p:nvPr/>
+        </p:nvSpPr>
+        <p:spPr>
+          <a:xfrm>
+            <a:off x="2311400" y="1778000"/>
+            <a:ext cx="184731" cy="369332"/>
+          </a:xfrm>
+          <a:prstGeom prst="rect">
+            <a:avLst/>
+          </a:prstGeom>
+          <a:noFill/>
+        </p:spPr>
+        <p:txBody>
+          <a:bodyPr wrap="none" rtlCol="0">
+            <a:spAutoFit/>
+          </a:bodyPr>
+          <a:lstStyle/>
+          <a:p>
+            <a:endParaRPr lang="pt-BR" dirty="0">
+              <a:latin typeface="Montserrat" panose="00000500000000000000" pitchFamily="2" charset="0"/>
+            </a:endParaRPr>
+          </a:p>
+        </p:txBody>
+      </p:sp>
+      <p:sp>
+        <p:nvSpPr>
+          <p:cNvPr id="5" name="CaixaDeTexto 4">
+            <a:extLst>
+              <a:ext uri="{FF2B5EF4-FFF2-40B4-BE49-F238E27FC236}">
+                <a16:creationId xmlns:a16="http://schemas.microsoft.com/office/drawing/2014/main" id="{1445A988-E6DB-BB45-3C57-D450DDF9B3EF}"/>
+              </a:ext>
+            </a:extLst>
+          </p:cNvPr>
+          <p:cNvSpPr txBox="1"/>
+          <p:nvPr/>
+        </p:nvSpPr>
+        <p:spPr>
+          <a:xfrm>
+            <a:off x="999504" y="382336"/>
+            <a:ext cx="11079186" cy="400110"/>
+          </a:xfrm>
+          <a:prstGeom prst="rect">
+            <a:avLst/>
+          </a:prstGeom>
+          <a:noFill/>
+        </p:spPr>
+        <p:txBody>
+          <a:bodyPr wrap="square" rtlCol="0">
+            <a:spAutoFit/>
+          </a:bodyPr>
+          <a:lstStyle/>
+          <a:p>
+            <a:pPr algn="ctr"/>
+            <a:r>
+              <a:rPr lang="pt-BR" sz="2000" b="1" dirty="0">
+                <a:latin typeface="Montserrat" panose="00000500000000000000" pitchFamily="2" charset="0"/>
+              </a:rPr>
+              <a:t>O que é POO</a:t>
+            </a:r>
+          </a:p>
+        </p:txBody>
+      </p:sp>
+      <p:sp>
+        <p:nvSpPr>
+          <p:cNvPr id="2" name="CaixaDeTexto 1">
+            <a:extLst>
+              <a:ext uri="{FF2B5EF4-FFF2-40B4-BE49-F238E27FC236}">
+                <a16:creationId xmlns:a16="http://schemas.microsoft.com/office/drawing/2014/main" id="{6C7620D3-B8BC-D623-F1CC-56FD82917408}"/>
+              </a:ext>
+            </a:extLst>
+          </p:cNvPr>
+          <p:cNvSpPr txBox="1"/>
+          <p:nvPr/>
+        </p:nvSpPr>
+        <p:spPr>
+          <a:xfrm>
+            <a:off x="999504" y="1950486"/>
+            <a:ext cx="11079186" cy="2957028"/>
+          </a:xfrm>
+          <a:prstGeom prst="rect">
+            <a:avLst/>
+          </a:prstGeom>
+          <a:noFill/>
+        </p:spPr>
+        <p:txBody>
+          <a:bodyPr wrap="square" rtlCol="0">
+            <a:spAutoFit/>
+          </a:bodyPr>
+          <a:lstStyle/>
+          <a:p>
+            <a:pPr algn="ctr">
+              <a:lnSpc>
+                <a:spcPct val="150000"/>
+              </a:lnSpc>
+            </a:pPr>
+            <a:r>
+              <a:rPr lang="pt-BR" b="0" i="0" dirty="0">
+                <a:effectLst/>
+                <a:latin typeface="Google Sans"/>
+              </a:rPr>
+              <a:t>O sistema orientado a objetos é um modelo de desenvolvimento de software que usa objetos para representar diferentes aspectos do aplicativo. Tudo é considerado um objeto nesse tipo de sistema, inclusive os dados, processos e funções.</a:t>
+            </a:r>
+          </a:p>
+          <a:p>
+            <a:pPr algn="ctr">
+              <a:lnSpc>
+                <a:spcPct val="150000"/>
+              </a:lnSpc>
+            </a:pPr>
+            <a:r>
+              <a:rPr lang="pt-BR" dirty="0">
+                <a:latin typeface="Google Sans"/>
+              </a:rPr>
+              <a:t>_________________________________</a:t>
+            </a:r>
+          </a:p>
+          <a:p>
+            <a:pPr algn="ctr">
+              <a:lnSpc>
+                <a:spcPct val="150000"/>
+              </a:lnSpc>
+            </a:pPr>
+            <a:endParaRPr lang="pt-BR" dirty="0">
+              <a:latin typeface="Google Sans"/>
+            </a:endParaRPr>
+          </a:p>
+          <a:p>
+            <a:pPr algn="ctr">
+              <a:lnSpc>
+                <a:spcPct val="150000"/>
+              </a:lnSpc>
+            </a:pPr>
+            <a:r>
+              <a:rPr lang="pt-BR" b="0" i="0" dirty="0">
+                <a:effectLst/>
+                <a:latin typeface="Google Sans"/>
+              </a:rPr>
+              <a:t>A Programação Orientada a Objetos é um método de codificação que implica na utilização de objetos e suas relações a fim de descrever, de forma programática, o problema a ser resolvido.</a:t>
+            </a:r>
+            <a:endParaRPr lang="pt-BR" dirty="0">
+              <a:latin typeface="Montserrat" panose="00000500000000000000" pitchFamily="2" charset="0"/>
+            </a:endParaRPr>
+          </a:p>
+        </p:txBody>
+      </p:sp>
+    </p:spTree>
+    <p:extLst>
+      <p:ext uri="{BB962C8B-B14F-4D97-AF65-F5344CB8AC3E}">
+        <p14:creationId xmlns:p14="http://schemas.microsoft.com/office/powerpoint/2010/main" val="3617716802"/>
+      </p:ext>
+    </p:extLst>
+  </p:cSld>
+  <p:clrMapOvr>
+    <a:masterClrMapping/>
+  </p:clrMapOvr>
+</p:sld>
+</file>
+
+<file path=ppt/slides/slide4.xml><?xml version="1.0" encoding="utf-8"?>
+<p:sld xmlns:a="http://schemas.openxmlformats.org/drawingml/2006/main" xmlns:r="http://schemas.openxmlformats.org/officeDocument/2006/relationships" xmlns:p="http://schemas.openxmlformats.org/presentationml/2006/main">
+  <p:cSld>
+    <p:spTree>
+      <p:nvGrpSpPr>
+        <p:cNvPr id="1" name=""/>
+        <p:cNvGrpSpPr/>
+        <p:nvPr/>
+      </p:nvGrpSpPr>
+      <p:grpSpPr>
+        <a:xfrm>
+          <a:off x="0" y="0"/>
+          <a:ext cx="0" cy="0"/>
+          <a:chOff x="0" y="0"/>
+          <a:chExt cx="0" cy="0"/>
+        </a:xfrm>
+      </p:grpSpPr>
+      <p:sp>
+        <p:nvSpPr>
+          <p:cNvPr id="3" name="CaixaDeTexto 2">
+            <a:extLst>
+              <a:ext uri="{FF2B5EF4-FFF2-40B4-BE49-F238E27FC236}">
+                <a16:creationId xmlns:a16="http://schemas.microsoft.com/office/drawing/2014/main" id="{6476BA22-5EE5-9411-8A56-EBA9E824F134}"/>
+              </a:ext>
+            </a:extLst>
+          </p:cNvPr>
+          <p:cNvSpPr txBox="1"/>
+          <p:nvPr/>
+        </p:nvSpPr>
+        <p:spPr>
+          <a:xfrm>
+            <a:off x="2311400" y="1778000"/>
+            <a:ext cx="184731" cy="369332"/>
+          </a:xfrm>
+          <a:prstGeom prst="rect">
+            <a:avLst/>
+          </a:prstGeom>
+          <a:noFill/>
+        </p:spPr>
+        <p:txBody>
+          <a:bodyPr wrap="none" rtlCol="0">
+            <a:spAutoFit/>
+          </a:bodyPr>
+          <a:lstStyle/>
+          <a:p>
+            <a:endParaRPr lang="pt-BR" dirty="0">
+              <a:latin typeface="Montserrat" panose="00000500000000000000" pitchFamily="2" charset="0"/>
+            </a:endParaRPr>
+          </a:p>
+        </p:txBody>
+      </p:sp>
+      <p:sp>
+        <p:nvSpPr>
+          <p:cNvPr id="5" name="CaixaDeTexto 4">
+            <a:extLst>
+              <a:ext uri="{FF2B5EF4-FFF2-40B4-BE49-F238E27FC236}">
+                <a16:creationId xmlns:a16="http://schemas.microsoft.com/office/drawing/2014/main" id="{1445A988-E6DB-BB45-3C57-D450DDF9B3EF}"/>
+              </a:ext>
+            </a:extLst>
+          </p:cNvPr>
+          <p:cNvSpPr txBox="1"/>
+          <p:nvPr/>
+        </p:nvSpPr>
+        <p:spPr>
+          <a:xfrm>
+            <a:off x="999504" y="382336"/>
+            <a:ext cx="11079186" cy="400110"/>
+          </a:xfrm>
+          <a:prstGeom prst="rect">
+            <a:avLst/>
+          </a:prstGeom>
+          <a:noFill/>
+        </p:spPr>
+        <p:txBody>
+          <a:bodyPr wrap="square" rtlCol="0">
+            <a:spAutoFit/>
+          </a:bodyPr>
+          <a:lstStyle/>
+          <a:p>
+            <a:pPr algn="ctr"/>
+            <a:r>
+              <a:rPr lang="pt-BR" sz="2000" b="1">
+                <a:latin typeface="Montserrat" panose="00000500000000000000" pitchFamily="2" charset="0"/>
+              </a:rPr>
+              <a:t>Pilares POO</a:t>
+            </a:r>
+            <a:endParaRPr lang="pt-BR" sz="2000" b="1" dirty="0">
+              <a:latin typeface="Montserrat" panose="00000500000000000000" pitchFamily="2" charset="0"/>
+            </a:endParaRPr>
+          </a:p>
+        </p:txBody>
+      </p:sp>
+      <p:sp>
+        <p:nvSpPr>
+          <p:cNvPr id="2" name="CaixaDeTexto 1">
+            <a:extLst>
+              <a:ext uri="{FF2B5EF4-FFF2-40B4-BE49-F238E27FC236}">
+                <a16:creationId xmlns:a16="http://schemas.microsoft.com/office/drawing/2014/main" id="{6C7620D3-B8BC-D623-F1CC-56FD82917408}"/>
+              </a:ext>
+            </a:extLst>
+          </p:cNvPr>
+          <p:cNvSpPr txBox="1"/>
+          <p:nvPr/>
+        </p:nvSpPr>
+        <p:spPr>
+          <a:xfrm>
+            <a:off x="4913745" y="2133405"/>
+            <a:ext cx="7164945" cy="2226892"/>
+          </a:xfrm>
+          <a:prstGeom prst="rect">
+            <a:avLst/>
+          </a:prstGeom>
+          <a:noFill/>
+        </p:spPr>
+        <p:txBody>
+          <a:bodyPr wrap="square" rtlCol="0">
+            <a:spAutoFit/>
+          </a:bodyPr>
+          <a:lstStyle/>
+          <a:p>
+            <a:pPr algn="just">
+              <a:lnSpc>
+                <a:spcPct val="200000"/>
+              </a:lnSpc>
+            </a:pPr>
+            <a:r>
+              <a:rPr lang="pt-BR" b="0" i="0" dirty="0">
+                <a:effectLst/>
+                <a:latin typeface="Montserrat" panose="00000500000000000000" pitchFamily="2" charset="0"/>
+              </a:rPr>
+              <a:t>A Programação Orientada a Objetos está sedimentada sobre quatro pilares derivados do princípio da abstração, são eles: </a:t>
+            </a:r>
+            <a:r>
+              <a:rPr lang="pt-BR" b="1" i="0" dirty="0">
+                <a:effectLst/>
+                <a:latin typeface="Montserrat" panose="00000500000000000000" pitchFamily="2" charset="0"/>
+              </a:rPr>
+              <a:t>Abstração, Encapsulamento, Herança e Polimorfismo.</a:t>
+            </a:r>
+            <a:endParaRPr lang="pt-BR" dirty="0">
+              <a:latin typeface="Montserrat" panose="00000500000000000000" pitchFamily="2" charset="0"/>
+            </a:endParaRPr>
+          </a:p>
+        </p:txBody>
+      </p:sp>
+      <p:pic>
+        <p:nvPicPr>
+          <p:cNvPr id="2050" name="Picture 2" descr="Resultado de imagen para pilares de la programacion orientada a objetos">
+            <a:extLst>
+              <a:ext uri="{FF2B5EF4-FFF2-40B4-BE49-F238E27FC236}">
+                <a16:creationId xmlns:a16="http://schemas.microsoft.com/office/drawing/2014/main" id="{0E190552-F97F-400D-235C-4C33F4693F8C}"/>
+              </a:ext>
+            </a:extLst>
+          </p:cNvPr>
+          <p:cNvPicPr>
+            <a:picLocks noChangeAspect="1" noChangeArrowheads="1"/>
+          </p:cNvPicPr>
+          <p:nvPr/>
+        </p:nvPicPr>
+        <p:blipFill>
+          <a:blip r:embed="rId2">
+            <a:extLst>
+              <a:ext uri="{28A0092B-C50C-407E-A947-70E740481C1C}">
+                <a14:useLocalDpi xmlns:a14="http://schemas.microsoft.com/office/drawing/2010/main" val="0"/>
+              </a:ext>
+            </a:extLst>
+          </a:blip>
+          <a:srcRect/>
+          <a:stretch>
+            <a:fillRect/>
+          </a:stretch>
+        </p:blipFill>
+        <p:spPr bwMode="auto">
+          <a:xfrm>
+            <a:off x="999504" y="1551401"/>
+            <a:ext cx="3810000" cy="3390900"/>
+          </a:xfrm>
+          <a:prstGeom prst="rect">
+            <a:avLst/>
+          </a:prstGeom>
+          <a:noFill/>
+          <a:extLst>
+            <a:ext uri="{909E8E84-426E-40DD-AFC4-6F175D3DCCD1}">
+              <a14:hiddenFill xmlns:a14="http://schemas.microsoft.com/office/drawing/2010/main">
+                <a:solidFill>
+                  <a:srgbClr val="FFFFFF"/>
+                </a:solidFill>
+              </a14:hiddenFill>
+            </a:ext>
+          </a:extLst>
+        </p:spPr>
+      </p:pic>
+    </p:spTree>
+    <p:extLst>
+      <p:ext uri="{BB962C8B-B14F-4D97-AF65-F5344CB8AC3E}">
+        <p14:creationId xmlns:p14="http://schemas.microsoft.com/office/powerpoint/2010/main" val="222579312"/>
+      </p:ext>
+    </p:extLst>
+  </p:cSld>
+  <p:clrMapOvr>
+    <a:masterClrMapping/>
+  </p:clrMapOvr>
+</p:sld>
+</file>
+
+<file path=ppt/slides/slide5.xml><?xml version="1.0" encoding="utf-8"?>
+<p:sld xmlns:a="http://schemas.openxmlformats.org/drawingml/2006/main" xmlns:r="http://schemas.openxmlformats.org/officeDocument/2006/relationships" xmlns:p="http://schemas.openxmlformats.org/presentationml/2006/main">
+  <p:cSld>
+    <p:spTree>
+      <p:nvGrpSpPr>
+        <p:cNvPr id="1" name=""/>
+        <p:cNvGrpSpPr/>
+        <p:nvPr/>
+      </p:nvGrpSpPr>
+      <p:grpSpPr>
+        <a:xfrm>
+          <a:off x="0" y="0"/>
+          <a:ext cx="0" cy="0"/>
+          <a:chOff x="0" y="0"/>
+          <a:chExt cx="0" cy="0"/>
+        </a:xfrm>
+      </p:grpSpPr>
+      <p:sp>
+        <p:nvSpPr>
+          <p:cNvPr id="3" name="CaixaDeTexto 2">
+            <a:extLst>
+              <a:ext uri="{FF2B5EF4-FFF2-40B4-BE49-F238E27FC236}">
+                <a16:creationId xmlns:a16="http://schemas.microsoft.com/office/drawing/2014/main" id="{B63C52B3-C429-FC26-0543-1CC2FB66D8F5}"/>
+              </a:ext>
+            </a:extLst>
+          </p:cNvPr>
+          <p:cNvSpPr txBox="1"/>
+          <p:nvPr/>
+        </p:nvSpPr>
+        <p:spPr>
+          <a:xfrm>
+            <a:off x="2095779" y="1328375"/>
+            <a:ext cx="8000442" cy="1323439"/>
+          </a:xfrm>
+          <a:prstGeom prst="rect">
+            <a:avLst/>
+          </a:prstGeom>
+          <a:noFill/>
+        </p:spPr>
+        <p:txBody>
+          <a:bodyPr wrap="square" rtlCol="0">
+            <a:spAutoFit/>
+          </a:bodyPr>
+          <a:lstStyle/>
+          <a:p>
+            <a:pPr algn="ctr"/>
+            <a:r>
+              <a:rPr lang="pt-BR" sz="4000" b="1">
+                <a:latin typeface="Montserrat" panose="00000500000000000000" pitchFamily="2" charset="0"/>
+              </a:rPr>
+              <a:t>O que é um objeto na programação?</a:t>
+            </a:r>
+            <a:endParaRPr lang="pt-BR" sz="4000" b="1" dirty="0">
+              <a:latin typeface="Montserrat" panose="00000500000000000000" pitchFamily="2" charset="0"/>
+            </a:endParaRPr>
+          </a:p>
+        </p:txBody>
+      </p:sp>
+      <p:pic>
+        <p:nvPicPr>
+          <p:cNvPr id="3074" name="Picture 2" descr="O que é, o que é: 165 adivinhas com respostas - Toda Matéria">
+            <a:extLst>
+              <a:ext uri="{FF2B5EF4-FFF2-40B4-BE49-F238E27FC236}">
+                <a16:creationId xmlns:a16="http://schemas.microsoft.com/office/drawing/2014/main" id="{121CA480-FECE-B87D-36B1-83F8E0B60BE7}"/>
+              </a:ext>
+            </a:extLst>
+          </p:cNvPr>
+          <p:cNvPicPr>
+            <a:picLocks noChangeAspect="1" noChangeArrowheads="1"/>
+          </p:cNvPicPr>
+          <p:nvPr/>
+        </p:nvPicPr>
+        <p:blipFill>
+          <a:blip r:embed="rId2">
+            <a:extLst>
+              <a:ext uri="{28A0092B-C50C-407E-A947-70E740481C1C}">
+                <a14:useLocalDpi xmlns:a14="http://schemas.microsoft.com/office/drawing/2010/main" val="0"/>
+              </a:ext>
+            </a:extLst>
+          </a:blip>
+          <a:srcRect/>
+          <a:stretch>
+            <a:fillRect/>
+          </a:stretch>
+        </p:blipFill>
+        <p:spPr bwMode="auto">
+          <a:xfrm>
+            <a:off x="3238500" y="2775185"/>
+            <a:ext cx="5715000" cy="3000375"/>
+          </a:xfrm>
+          <a:prstGeom prst="rect">
+            <a:avLst/>
+          </a:prstGeom>
+          <a:noFill/>
+          <a:extLst>
+            <a:ext uri="{909E8E84-426E-40DD-AFC4-6F175D3DCCD1}">
+              <a14:hiddenFill xmlns:a14="http://schemas.microsoft.com/office/drawing/2010/main">
+                <a:solidFill>
+                  <a:srgbClr val="FFFFFF"/>
+                </a:solidFill>
+              </a14:hiddenFill>
+            </a:ext>
+          </a:extLst>
+        </p:spPr>
+      </p:pic>
+    </p:spTree>
+    <p:extLst>
+      <p:ext uri="{BB962C8B-B14F-4D97-AF65-F5344CB8AC3E}">
+        <p14:creationId xmlns:p14="http://schemas.microsoft.com/office/powerpoint/2010/main" val="3797166571"/>
+      </p:ext>
+    </p:extLst>
+  </p:cSld>
+  <p:clrMapOvr>
+    <a:masterClrMapping/>
+  </p:clrMapOvr>
+</p:sld>
+</file>
+
+<file path=ppt/slides/slide6.xml><?xml version="1.0" encoding="utf-8"?>
+<p:sld xmlns:a="http://schemas.openxmlformats.org/drawingml/2006/main" xmlns:r="http://schemas.openxmlformats.org/officeDocument/2006/relationships" xmlns:p="http://schemas.openxmlformats.org/presentationml/2006/main">
+  <p:cSld>
+    <p:spTree>
+      <p:nvGrpSpPr>
+        <p:cNvPr id="1" name=""/>
+        <p:cNvGrpSpPr/>
+        <p:nvPr/>
+      </p:nvGrpSpPr>
+      <p:grpSpPr>
+        <a:xfrm>
+          <a:off x="0" y="0"/>
+          <a:ext cx="0" cy="0"/>
+          <a:chOff x="0" y="0"/>
+          <a:chExt cx="0" cy="0"/>
+        </a:xfrm>
+      </p:grpSpPr>
+      <p:sp>
+        <p:nvSpPr>
+          <p:cNvPr id="2" name="Título 1">
+            <a:extLst>
+              <a:ext uri="{FF2B5EF4-FFF2-40B4-BE49-F238E27FC236}">
+                <a16:creationId xmlns:a16="http://schemas.microsoft.com/office/drawing/2014/main" id="{5D007AA0-C390-114A-01C5-BF81BBC574C7}"/>
+              </a:ext>
+            </a:extLst>
+          </p:cNvPr>
+          <p:cNvSpPr>
+            <a:spLocks noGrp="1"/>
+          </p:cNvSpPr>
+          <p:nvPr>
+            <p:ph type="title"/>
+          </p:nvPr>
+        </p:nvSpPr>
+        <p:spPr/>
+        <p:txBody>
+          <a:bodyPr/>
+          <a:lstStyle/>
+          <a:p>
+            <a:r>
+              <a:rPr lang="pt-BR" dirty="0"/>
+              <a:t>Contatos</a:t>
+            </a:r>
+          </a:p>
+        </p:txBody>
+      </p:sp>
+      <p:grpSp>
+        <p:nvGrpSpPr>
+          <p:cNvPr id="6" name="Agrupar 5">
+            <a:extLst>
+              <a:ext uri="{FF2B5EF4-FFF2-40B4-BE49-F238E27FC236}">
+                <a16:creationId xmlns:a16="http://schemas.microsoft.com/office/drawing/2014/main" id="{8ADF2904-1923-4372-68B4-AE897103717C}"/>
+              </a:ext>
+            </a:extLst>
+          </p:cNvPr>
+          <p:cNvGrpSpPr/>
+          <p:nvPr/>
+        </p:nvGrpSpPr>
+        <p:grpSpPr>
+          <a:xfrm>
+            <a:off x="3941164" y="1385395"/>
+            <a:ext cx="4309671" cy="4087210"/>
+            <a:chOff x="2319729" y="1527953"/>
+            <a:chExt cx="4309671" cy="4087210"/>
+          </a:xfrm>
+        </p:grpSpPr>
+        <p:pic>
+          <p:nvPicPr>
+            <p:cNvPr id="4098" name="Picture 2" descr="Linkedin - ícones de mídia social grátis">
+              <a:extLst>
+                <a:ext uri="{FF2B5EF4-FFF2-40B4-BE49-F238E27FC236}">
+                  <a16:creationId xmlns:a16="http://schemas.microsoft.com/office/drawing/2014/main" id="{90C19CBD-4EDA-5D1C-E42C-E6FA2EFDB723}"/>
+                </a:ext>
+              </a:extLst>
+            </p:cNvPr>
+            <p:cNvPicPr>
+              <a:picLocks noChangeAspect="1" noChangeArrowheads="1"/>
+            </p:cNvPicPr>
+            <p:nvPr/>
+          </p:nvPicPr>
+          <p:blipFill>
+            <a:blip r:embed="rId2">
+              <a:extLst>
+                <a:ext uri="{28A0092B-C50C-407E-A947-70E740481C1C}">
+                  <a14:useLocalDpi xmlns:a14="http://schemas.microsoft.com/office/drawing/2010/main" val="0"/>
+                </a:ext>
+              </a:extLst>
+            </a:blip>
+            <a:srcRect/>
+            <a:stretch>
+              <a:fillRect/>
+            </a:stretch>
+          </p:blipFill>
+          <p:spPr bwMode="auto">
+            <a:xfrm>
+              <a:off x="2689321" y="1527953"/>
+              <a:ext cx="900000" cy="900000"/>
+            </a:xfrm>
+            <a:prstGeom prst="rect">
+              <a:avLst/>
+            </a:prstGeom>
+            <a:noFill/>
+            <a:extLst>
+              <a:ext uri="{909E8E84-426E-40DD-AFC4-6F175D3DCCD1}">
+                <a14:hiddenFill xmlns:a14="http://schemas.microsoft.com/office/drawing/2010/main">
+                  <a:solidFill>
+                    <a:srgbClr val="FFFFFF"/>
+                  </a:solidFill>
+                </a14:hiddenFill>
+              </a:ext>
+            </a:extLst>
+          </p:spPr>
+        </p:pic>
+        <p:pic>
+          <p:nvPicPr>
+            <p:cNvPr id="4100" name="Picture 4" descr="Logo Youtube - Vetores e Arquivos PSD Grátis para Download">
+              <a:extLst>
+                <a:ext uri="{FF2B5EF4-FFF2-40B4-BE49-F238E27FC236}">
+                  <a16:creationId xmlns:a16="http://schemas.microsoft.com/office/drawing/2014/main" id="{B705C1BD-EDDC-523D-3E97-D1B83344CD7D}"/>
+                </a:ext>
+              </a:extLst>
+            </p:cNvPr>
+            <p:cNvPicPr>
+              <a:picLocks noChangeAspect="1" noChangeArrowheads="1"/>
+            </p:cNvPicPr>
+            <p:nvPr/>
+          </p:nvPicPr>
+          <p:blipFill rotWithShape="1">
+            <a:blip r:embed="rId3">
+              <a:extLst>
+                <a:ext uri="{28A0092B-C50C-407E-A947-70E740481C1C}">
+                  <a14:useLocalDpi xmlns:a14="http://schemas.microsoft.com/office/drawing/2010/main" val="0"/>
+                </a:ext>
+              </a:extLst>
+            </a:blip>
+            <a:srcRect l="15146" t="25332" r="15146" b="25254"/>
+            <a:stretch/>
+          </p:blipFill>
+          <p:spPr bwMode="auto">
+            <a:xfrm>
+              <a:off x="2319729" y="3131400"/>
+              <a:ext cx="1269592" cy="900000"/>
+            </a:xfrm>
+            <a:prstGeom prst="rect">
+              <a:avLst/>
+            </a:prstGeom>
+            <a:noFill/>
+            <a:extLst>
+              <a:ext uri="{909E8E84-426E-40DD-AFC4-6F175D3DCCD1}">
+                <a14:hiddenFill xmlns:a14="http://schemas.microsoft.com/office/drawing/2010/main">
+                  <a:solidFill>
+                    <a:srgbClr val="FFFFFF"/>
+                  </a:solidFill>
+                </a14:hiddenFill>
+              </a:ext>
+            </a:extLst>
+          </p:spPr>
+        </p:pic>
+        <p:pic>
+          <p:nvPicPr>
+            <p:cNvPr id="4102" name="Picture 6" descr="Github Logo - Free social media icons">
+              <a:extLst>
+                <a:ext uri="{FF2B5EF4-FFF2-40B4-BE49-F238E27FC236}">
+                  <a16:creationId xmlns:a16="http://schemas.microsoft.com/office/drawing/2014/main" id="{D2AE0474-3978-E936-4483-D8A128BFC4CD}"/>
+                </a:ext>
+              </a:extLst>
+            </p:cNvPr>
+            <p:cNvPicPr>
+              <a:picLocks noChangeAspect="1" noChangeArrowheads="1"/>
+            </p:cNvPicPr>
+            <p:nvPr/>
+          </p:nvPicPr>
+          <p:blipFill>
+            <a:blip r:embed="rId4">
+              <a:extLst>
+                <a:ext uri="{28A0092B-C50C-407E-A947-70E740481C1C}">
+                  <a14:useLocalDpi xmlns:a14="http://schemas.microsoft.com/office/drawing/2010/main" val="0"/>
+                </a:ext>
+              </a:extLst>
+            </a:blip>
+            <a:srcRect/>
+            <a:stretch>
+              <a:fillRect/>
+            </a:stretch>
+          </p:blipFill>
+          <p:spPr bwMode="auto">
+            <a:xfrm>
+              <a:off x="2689321" y="4715163"/>
+              <a:ext cx="900000" cy="900000"/>
+            </a:xfrm>
+            <a:prstGeom prst="rect">
+              <a:avLst/>
+            </a:prstGeom>
+            <a:noFill/>
+            <a:extLst>
+              <a:ext uri="{909E8E84-426E-40DD-AFC4-6F175D3DCCD1}">
+                <a14:hiddenFill xmlns:a14="http://schemas.microsoft.com/office/drawing/2010/main">
+                  <a:solidFill>
+                    <a:srgbClr val="FFFFFF"/>
+                  </a:solidFill>
+                </a14:hiddenFill>
+              </a:ext>
+            </a:extLst>
+          </p:spPr>
+        </p:pic>
+        <p:sp>
+          <p:nvSpPr>
+            <p:cNvPr id="3" name="CaixaDeTexto 2">
+              <a:extLst>
+                <a:ext uri="{FF2B5EF4-FFF2-40B4-BE49-F238E27FC236}">
+                  <a16:creationId xmlns:a16="http://schemas.microsoft.com/office/drawing/2014/main" id="{B317FC27-1B62-F5FA-CD19-C6E3D409EB2E}"/>
+                </a:ext>
+              </a:extLst>
+            </p:cNvPr>
+            <p:cNvSpPr txBox="1"/>
+            <p:nvPr/>
+          </p:nvSpPr>
+          <p:spPr>
+            <a:xfrm>
+              <a:off x="3589321" y="1700954"/>
+              <a:ext cx="2867891" cy="553998"/>
+            </a:xfrm>
+            <a:prstGeom prst="rect">
+              <a:avLst/>
+            </a:prstGeom>
+            <a:noFill/>
+          </p:spPr>
+          <p:txBody>
+            <a:bodyPr wrap="square" rtlCol="0">
+              <a:spAutoFit/>
+            </a:bodyPr>
+            <a:lstStyle/>
+            <a:p>
+              <a:r>
+                <a:rPr lang="pt-BR" sz="3000" b="1" dirty="0">
+                  <a:latin typeface="Montserrat" panose="00000500000000000000" pitchFamily="2" charset="0"/>
+                </a:rPr>
+                <a:t>/</a:t>
+              </a:r>
+              <a:r>
+                <a:rPr lang="pt-BR" sz="3000" b="1" dirty="0" err="1">
+                  <a:latin typeface="Montserrat" panose="00000500000000000000" pitchFamily="2" charset="0"/>
+                </a:rPr>
+                <a:t>mikelsfraga</a:t>
+              </a:r>
+              <a:endParaRPr lang="pt-BR" sz="3000" b="1" dirty="0">
+                <a:latin typeface="Montserrat" panose="00000500000000000000" pitchFamily="2" charset="0"/>
+              </a:endParaRPr>
+            </a:p>
+          </p:txBody>
+        </p:sp>
+        <p:sp>
+          <p:nvSpPr>
+            <p:cNvPr id="4" name="CaixaDeTexto 3">
+              <a:extLst>
+                <a:ext uri="{FF2B5EF4-FFF2-40B4-BE49-F238E27FC236}">
+                  <a16:creationId xmlns:a16="http://schemas.microsoft.com/office/drawing/2014/main" id="{E0697E2E-B278-80A3-7B18-9C9F8A1BB737}"/>
+                </a:ext>
+              </a:extLst>
+            </p:cNvPr>
+            <p:cNvSpPr txBox="1"/>
+            <p:nvPr/>
+          </p:nvSpPr>
+          <p:spPr>
+            <a:xfrm>
+              <a:off x="3589320" y="3304401"/>
+              <a:ext cx="3040080" cy="553998"/>
+            </a:xfrm>
+            <a:prstGeom prst="rect">
+              <a:avLst/>
+            </a:prstGeom>
+            <a:noFill/>
+          </p:spPr>
+          <p:txBody>
+            <a:bodyPr wrap="square" rtlCol="0">
+              <a:spAutoFit/>
+            </a:bodyPr>
+            <a:lstStyle/>
+            <a:p>
+              <a:r>
+                <a:rPr lang="pt-BR" sz="3000" b="1" dirty="0">
+                  <a:latin typeface="Montserrat" panose="00000500000000000000" pitchFamily="2" charset="0"/>
+                </a:rPr>
+                <a:t>@mikelsfraga</a:t>
+              </a:r>
+            </a:p>
+          </p:txBody>
+        </p:sp>
+        <p:sp>
+          <p:nvSpPr>
+            <p:cNvPr id="5" name="CaixaDeTexto 4">
+              <a:extLst>
+                <a:ext uri="{FF2B5EF4-FFF2-40B4-BE49-F238E27FC236}">
+                  <a16:creationId xmlns:a16="http://schemas.microsoft.com/office/drawing/2014/main" id="{D881F275-B8F6-A011-8DF4-023E24C75113}"/>
+                </a:ext>
+              </a:extLst>
+            </p:cNvPr>
+            <p:cNvSpPr txBox="1"/>
+            <p:nvPr/>
+          </p:nvSpPr>
+          <p:spPr>
+            <a:xfrm>
+              <a:off x="3589320" y="4888164"/>
+              <a:ext cx="2867891" cy="553998"/>
+            </a:xfrm>
+            <a:prstGeom prst="rect">
+              <a:avLst/>
+            </a:prstGeom>
+            <a:noFill/>
+          </p:spPr>
+          <p:txBody>
+            <a:bodyPr wrap="square" rtlCol="0">
+              <a:spAutoFit/>
+            </a:bodyPr>
+            <a:lstStyle/>
+            <a:p>
+              <a:r>
+                <a:rPr lang="pt-BR" sz="3000" b="1" dirty="0">
+                  <a:latin typeface="Montserrat" panose="00000500000000000000" pitchFamily="2" charset="0"/>
+                </a:rPr>
+                <a:t>/</a:t>
+              </a:r>
+              <a:r>
+                <a:rPr lang="pt-BR" sz="3000" b="1" dirty="0" err="1">
+                  <a:latin typeface="Montserrat" panose="00000500000000000000" pitchFamily="2" charset="0"/>
+                </a:rPr>
+                <a:t>MikelSFraga</a:t>
+              </a:r>
+              <a:endParaRPr lang="pt-BR" sz="3000" b="1" dirty="0">
+                <a:latin typeface="Montserrat" panose="00000500000000000000" pitchFamily="2" charset="0"/>
+              </a:endParaRPr>
+            </a:p>
+          </p:txBody>
+        </p:sp>
+      </p:grpSp>
+    </p:spTree>
+    <p:extLst>
+      <p:ext uri="{BB962C8B-B14F-4D97-AF65-F5344CB8AC3E}">
+        <p14:creationId xmlns:p14="http://schemas.microsoft.com/office/powerpoint/2010/main" val="517370613"/>
       </p:ext>
     </p:extLst>
   </p:cSld>
